--- a/LectureFiles/cshl/2015/GenomeAnalysisPlatforms.pptx
+++ b/LectureFiles/cshl/2015/GenomeAnalysisPlatforms.pptx
@@ -263,7 +263,7 @@
               <a:pPr>
                 <a:defRPr/>
               </a:pPr>
-              <a:t>11/19/14</a:t>
+              <a:t>11/15/15</a:t>
             </a:fld>
             <a:endParaRPr lang="en-US"/>
           </a:p>
@@ -470,7 +470,7 @@
               <a:pPr>
                 <a:defRPr/>
               </a:pPr>
-              <a:t>11/19/14</a:t>
+              <a:t>11/15/15</a:t>
             </a:fld>
             <a:endParaRPr lang="en-US"/>
           </a:p>
@@ -3923,7 +3923,7 @@
               <a:pPr>
                 <a:defRPr/>
               </a:pPr>
-              <a:t>11/19/14</a:t>
+              <a:t>11/15/15</a:t>
             </a:fld>
             <a:endParaRPr lang="en-US"/>
           </a:p>
@@ -6523,20 +6523,11 @@
               <a:defRPr/>
             </a:pPr>
             <a:r>
-              <a:rPr lang="en-US" sz="1600" dirty="0" smtClean="0">
+              <a:rPr lang="en-US" sz="1600" dirty="0">
                 <a:latin typeface="Calibri"/>
-                <a:ea typeface="+mj-ea"/>
                 <a:cs typeface="Calibri"/>
               </a:rPr>
-              <a:t>Malachi Griffith, Obi </a:t>
-            </a:r>
-            <a:r>
-              <a:rPr lang="en-US" sz="1600" dirty="0" smtClean="0">
-                <a:latin typeface="Calibri"/>
-                <a:ea typeface="+mj-ea"/>
-                <a:cs typeface="Calibri"/>
-              </a:rPr>
-              <a:t>Griffith</a:t>
+              <a:t>Malachi Griffith, Obi Griffith, Jason Walker</a:t>
             </a:r>
           </a:p>
           <a:p>
@@ -6549,7 +6540,7 @@
               <a:defRPr/>
             </a:pPr>
             <a:r>
-              <a:rPr lang="en-US" sz="1600" dirty="0" smtClean="0">
+              <a:rPr lang="en-US" sz="1600" dirty="0">
                 <a:ln w="1270">
                   <a:solidFill>
                     <a:schemeClr val="tx1">
@@ -6571,7 +6562,7 @@
               <a:defRPr/>
             </a:pPr>
             <a:r>
-              <a:rPr lang="en-US" sz="1400" dirty="0" smtClean="0">
+              <a:rPr lang="en-US" sz="1400" dirty="0">
                 <a:ln w="1270">
                   <a:solidFill>
                     <a:schemeClr val="tx1">
@@ -6580,25 +6571,9 @@
                   </a:solidFill>
                 </a:ln>
                 <a:latin typeface="Calibri"/>
-                <a:ea typeface="+mn-ea"/>
                 <a:cs typeface="Calibri"/>
               </a:rPr>
-              <a:t>November </a:t>
-            </a:r>
-            <a:r>
-              <a:rPr lang="en-US" sz="1400" dirty="0" smtClean="0">
-                <a:ln w="1270">
-                  <a:solidFill>
-                    <a:schemeClr val="tx1">
-                      <a:alpha val="38000"/>
-                    </a:schemeClr>
-                  </a:solidFill>
-                </a:ln>
-                <a:latin typeface="Calibri"/>
-                <a:ea typeface="+mn-ea"/>
-                <a:cs typeface="Calibri"/>
-              </a:rPr>
-              <a:t>11-23, 2014</a:t>
+              <a:t>November 10 - 22, 2015</a:t>
             </a:r>
           </a:p>
         </p:txBody>
